--- a/presentation_mi_projet.pptx
+++ b/presentation_mi_projet.pptx
@@ -22109,11 +22109,6 @@
               </a:rPr>
               <a:t>Encadrés par S.GAMBS &amp; G.PIOLLE</a:t>
             </a:r>
-            <a:endParaRPr lang="fr-FR" sz="1100" dirty="0">
-              <a:solidFill>
-                <a:schemeClr val="tx1"/>
-              </a:solidFill>
-            </a:endParaRPr>
           </a:p>
         </p:txBody>
       </p:sp>
@@ -22195,38 +22190,22 @@
           <a:lstStyle/>
           <a:p>
             <a:r>
-              <a:rPr lang="en-US" dirty="0" err="1" smtClean="0"/>
-              <a:t>Rédaction</a:t>
-            </a:r>
-            <a:r>
-              <a:rPr lang="en-US" dirty="0" smtClean="0"/>
-              <a:t> de scenarios</a:t>
-            </a:r>
-            <a:endParaRPr lang="en-US" dirty="0"/>
-          </a:p>
-          <a:p>
-            <a:r>
-              <a:rPr lang="en-US" dirty="0" err="1" smtClean="0"/>
-              <a:t>Nécessiter</a:t>
-            </a:r>
-            <a:r>
-              <a:rPr lang="en-US" dirty="0" smtClean="0"/>
-              <a:t> de </a:t>
-            </a:r>
-            <a:r>
-              <a:rPr lang="en-US" dirty="0" err="1" smtClean="0"/>
-              <a:t>s’y</a:t>
-            </a:r>
-            <a:r>
-              <a:rPr lang="en-US" dirty="0" smtClean="0"/>
-              <a:t> interface</a:t>
+              <a:rPr lang="fr-FR" dirty="0" smtClean="0"/>
+              <a:t>Rédaction de scenarios</a:t>
             </a:r>
           </a:p>
           <a:p>
             <a:r>
-              <a:rPr lang="en-US" dirty="0" smtClean="0"/>
+              <a:rPr lang="fr-FR" dirty="0" smtClean="0"/>
+              <a:t>Nécessiter de s’y interface</a:t>
+            </a:r>
+          </a:p>
+          <a:p>
+            <a:r>
+              <a:rPr lang="fr-FR" dirty="0" smtClean="0"/>
               <a:t>…</a:t>
             </a:r>
+            <a:endParaRPr lang="fr-FR" dirty="0" smtClean="0"/>
           </a:p>
         </p:txBody>
       </p:sp>
@@ -23662,11 +23641,7 @@
           <a:p>
             <a:r>
               <a:rPr lang="fr-FR" dirty="0" smtClean="0"/>
-              <a:t>Un problème : les don</a:t>
-            </a:r>
-            <a:r>
-              <a:rPr lang="fr-FR" dirty="0" smtClean="0"/>
-              <a:t>nées </a:t>
+              <a:t>Un problème : les données </a:t>
             </a:r>
             <a:r>
               <a:rPr lang="fr-FR" dirty="0"/>
@@ -23681,11 +23656,7 @@
             <a:pPr lvl="1"/>
             <a:r>
               <a:rPr lang="fr-FR" dirty="0" smtClean="0"/>
-              <a:t>Relation ambigüe hébergeur-utilisateur et a</a:t>
-            </a:r>
-            <a:r>
-              <a:rPr lang="fr-FR" dirty="0" smtClean="0"/>
-              <a:t>ttaques rétroactives</a:t>
+              <a:t>Relation ambigüe hébergeur-utilisateur et attaques rétroactives</a:t>
             </a:r>
           </a:p>
           <a:p>
@@ -23698,7 +23669,6 @@
               <a:rPr lang="fr-FR" dirty="0" smtClean="0"/>
               <a:t>données</a:t>
             </a:r>
-            <a:endParaRPr lang="fr-FR" dirty="0" smtClean="0"/>
           </a:p>
           <a:p>
             <a:endParaRPr lang="fr-FR" dirty="0"/>
@@ -23956,11 +23926,7 @@
           <a:p>
             <a:r>
               <a:rPr lang="fr-FR" dirty="0" smtClean="0"/>
-              <a:t>RAPPEL : Travail </a:t>
-            </a:r>
-            <a:r>
-              <a:rPr lang="fr-FR" dirty="0" smtClean="0"/>
-              <a:t>a exécuter</a:t>
+              <a:t>RAPPEL : Travail a exécuter</a:t>
             </a:r>
             <a:endParaRPr lang="fr-FR" dirty="0"/>
           </a:p>
@@ -24766,11 +24732,7 @@
           <a:p>
             <a:r>
               <a:rPr lang="fr-FR" dirty="0" smtClean="0"/>
-              <a:t>1 </a:t>
-            </a:r>
-            <a:r>
-              <a:rPr lang="fr-FR" dirty="0" smtClean="0"/>
-              <a:t>clé/niveau</a:t>
+              <a:t>1 clé/niveau</a:t>
             </a:r>
             <a:endParaRPr lang="fr-FR" dirty="0"/>
           </a:p>
@@ -25035,7 +24997,6 @@
               <a:rPr lang="fr-FR" dirty="0" smtClean="0"/>
               <a:t>Choix du chiffrement </a:t>
             </a:r>
-            <a:endParaRPr lang="fr-FR" dirty="0" smtClean="0"/>
           </a:p>
         </p:txBody>
       </p:sp>
@@ -25327,7 +25288,7 @@
           <a:p>
             <a:r>
               <a:rPr lang="fr-FR" dirty="0" smtClean="0"/>
-              <a:t>Introduction</a:t>
+              <a:t>PRINCIPE</a:t>
             </a:r>
             <a:endParaRPr lang="fr-FR" dirty="0"/>
           </a:p>

--- a/presentation_mi_projet.pptx
+++ b/presentation_mi_projet.pptx
@@ -5,7 +5,7 @@
     <p:sldMasterId id="2147483660" r:id="rId1"/>
   </p:sldMasterIdLst>
   <p:notesMasterIdLst>
-    <p:notesMasterId r:id="rId18"/>
+    <p:notesMasterId r:id="rId19"/>
   </p:notesMasterIdLst>
   <p:sldIdLst>
     <p:sldId id="256" r:id="rId2"/>
@@ -18,12 +18,13 @@
     <p:sldId id="288" r:id="rId9"/>
     <p:sldId id="290" r:id="rId10"/>
     <p:sldId id="291" r:id="rId11"/>
-    <p:sldId id="289" r:id="rId12"/>
-    <p:sldId id="293" r:id="rId13"/>
-    <p:sldId id="294" r:id="rId14"/>
-    <p:sldId id="292" r:id="rId15"/>
-    <p:sldId id="277" r:id="rId16"/>
-    <p:sldId id="271" r:id="rId17"/>
+    <p:sldId id="298" r:id="rId12"/>
+    <p:sldId id="289" r:id="rId13"/>
+    <p:sldId id="297" r:id="rId14"/>
+    <p:sldId id="293" r:id="rId15"/>
+    <p:sldId id="292" r:id="rId16"/>
+    <p:sldId id="277" r:id="rId17"/>
+    <p:sldId id="271" r:id="rId18"/>
   </p:sldIdLst>
   <p:sldSz cx="12192000" cy="6858000"/>
   <p:notesSz cx="6858000" cy="9144000"/>
@@ -224,7 +225,7 @@
             <a:fld id="{56FE5D87-1601-4890-AFDF-A507E492D5C7}" type="datetimeFigureOut">
               <a:rPr lang="fr-FR" smtClean="0"/>
               <a:pPr/>
-              <a:t>29/01/2015</a:t>
+              <a:t>04/02/2015</a:t>
             </a:fld>
             <a:endParaRPr lang="fr-FR"/>
           </a:p>
@@ -1256,7 +1257,7 @@
             <a:fld id="{B86C6EC0-2587-492D-BA5C-73FFFD801B36}" type="slidenum">
               <a:rPr lang="fr-FR" smtClean="0"/>
               <a:pPr/>
-              <a:t>12</a:t>
+              <a:t>11</a:t>
             </a:fld>
             <a:endParaRPr lang="fr-FR"/>
           </a:p>
@@ -1265,7 +1266,7 @@
     </p:spTree>
     <p:extLst>
       <p:ext uri="{BB962C8B-B14F-4D97-AF65-F5344CB8AC3E}">
-        <p14:creationId xmlns:p14="http://schemas.microsoft.com/office/powerpoint/2010/main" val="2593866312"/>
+        <p14:creationId xmlns:p14="http://schemas.microsoft.com/office/powerpoint/2010/main" val="1084035345"/>
       </p:ext>
     </p:extLst>
   </p:cSld>
@@ -1319,6 +1320,10 @@
           <a:bodyPr/>
           <a:lstStyle/>
           <a:p>
+            <a:r>
+              <a:rPr lang="fr-FR" dirty="0" smtClean="0"/>
+              <a:t>Un fichier par objet</a:t>
+            </a:r>
             <a:endParaRPr lang="fr-FR" dirty="0"/>
           </a:p>
         </p:txBody>
@@ -1350,7 +1355,92 @@
     </p:spTree>
     <p:extLst>
       <p:ext uri="{BB962C8B-B14F-4D97-AF65-F5344CB8AC3E}">
-        <p14:creationId xmlns:p14="http://schemas.microsoft.com/office/powerpoint/2010/main" val="1771462271"/>
+        <p14:creationId xmlns:p14="http://schemas.microsoft.com/office/powerpoint/2010/main" val="2746825497"/>
+      </p:ext>
+    </p:extLst>
+  </p:cSld>
+  <p:clrMapOvr>
+    <a:masterClrMapping/>
+  </p:clrMapOvr>
+</p:notes>
+</file>
+
+<file path=ppt/notesSlides/notesSlide9.xml><?xml version="1.0" encoding="utf-8"?>
+<p:notes xmlns:a="http://schemas.openxmlformats.org/drawingml/2006/main" xmlns:r="http://schemas.openxmlformats.org/officeDocument/2006/relationships" xmlns:p="http://schemas.openxmlformats.org/presentationml/2006/main">
+  <p:cSld>
+    <p:spTree>
+      <p:nvGrpSpPr>
+        <p:cNvPr id="1" name=""/>
+        <p:cNvGrpSpPr/>
+        <p:nvPr/>
+      </p:nvGrpSpPr>
+      <p:grpSpPr>
+        <a:xfrm>
+          <a:off x="0" y="0"/>
+          <a:ext cx="0" cy="0"/>
+          <a:chOff x="0" y="0"/>
+          <a:chExt cx="0" cy="0"/>
+        </a:xfrm>
+      </p:grpSpPr>
+      <p:sp>
+        <p:nvSpPr>
+          <p:cNvPr id="2" name="Espace réservé de l'image des diapositives 1"/>
+          <p:cNvSpPr>
+            <a:spLocks noGrp="1" noRot="1" noChangeAspect="1"/>
+          </p:cNvSpPr>
+          <p:nvPr>
+            <p:ph type="sldImg"/>
+          </p:nvPr>
+        </p:nvSpPr>
+        <p:spPr/>
+      </p:sp>
+      <p:sp>
+        <p:nvSpPr>
+          <p:cNvPr id="3" name="Espace réservé des commentaires 2"/>
+          <p:cNvSpPr>
+            <a:spLocks noGrp="1"/>
+          </p:cNvSpPr>
+          <p:nvPr>
+            <p:ph type="body" idx="1"/>
+          </p:nvPr>
+        </p:nvSpPr>
+        <p:spPr/>
+        <p:txBody>
+          <a:bodyPr/>
+          <a:lstStyle/>
+          <a:p>
+            <a:endParaRPr lang="fr-FR" dirty="0"/>
+          </a:p>
+        </p:txBody>
+      </p:sp>
+      <p:sp>
+        <p:nvSpPr>
+          <p:cNvPr id="4" name="Espace réservé du numéro de diapositive 3"/>
+          <p:cNvSpPr>
+            <a:spLocks noGrp="1"/>
+          </p:cNvSpPr>
+          <p:nvPr>
+            <p:ph type="sldNum" sz="quarter" idx="10"/>
+          </p:nvPr>
+        </p:nvSpPr>
+        <p:spPr/>
+        <p:txBody>
+          <a:bodyPr/>
+          <a:lstStyle/>
+          <a:p>
+            <a:fld id="{B86C6EC0-2587-492D-BA5C-73FFFD801B36}" type="slidenum">
+              <a:rPr lang="fr-FR" smtClean="0"/>
+              <a:pPr/>
+              <a:t>14</a:t>
+            </a:fld>
+            <a:endParaRPr lang="fr-FR"/>
+          </a:p>
+        </p:txBody>
+      </p:sp>
+    </p:spTree>
+    <p:extLst>
+      <p:ext uri="{BB962C8B-B14F-4D97-AF65-F5344CB8AC3E}">
+        <p14:creationId xmlns:p14="http://schemas.microsoft.com/office/powerpoint/2010/main" val="2593866312"/>
       </p:ext>
     </p:extLst>
   </p:cSld>
@@ -10153,7 +10243,7 @@
           <a:p>
             <a:fld id="{F43B295C-2117-4A3B-ADCB-16A0EC4C0D2D}" type="datetime1">
               <a:rPr lang="fr-FR" smtClean="0"/>
-              <a:t>29/01/2015</a:t>
+              <a:t>04/02/2015</a:t>
             </a:fld>
             <a:endParaRPr lang="fr-FR"/>
           </a:p>
@@ -10361,7 +10451,7 @@
           <a:p>
             <a:fld id="{B37E0099-09ED-42E9-9A45-C8F66AEBB391}" type="datetime1">
               <a:rPr lang="fr-FR" smtClean="0"/>
-              <a:t>29/01/2015</a:t>
+              <a:t>04/02/2015</a:t>
             </a:fld>
             <a:endParaRPr lang="fr-FR"/>
           </a:p>
@@ -10542,7 +10632,7 @@
           <a:p>
             <a:fld id="{EB10D6CE-3799-4B25-9E03-ED7897AC46F6}" type="datetime1">
               <a:rPr lang="fr-FR" smtClean="0"/>
-              <a:t>29/01/2015</a:t>
+              <a:t>04/02/2015</a:t>
             </a:fld>
             <a:endParaRPr lang="fr-FR"/>
           </a:p>
@@ -10748,7 +10838,7 @@
           <a:p>
             <a:fld id="{10452928-6572-4762-9237-3F7386C27F39}" type="datetime1">
               <a:rPr lang="fr-FR" smtClean="0"/>
-              <a:t>29/01/2015</a:t>
+              <a:t>04/02/2015</a:t>
             </a:fld>
             <a:endParaRPr lang="fr-FR"/>
           </a:p>
@@ -19647,7 +19737,7 @@
           <a:p>
             <a:fld id="{B90D865F-CAA3-48B6-B6CA-BA015A2D96F5}" type="datetime1">
               <a:rPr lang="fr-FR" smtClean="0"/>
-              <a:t>29/01/2015</a:t>
+              <a:t>04/02/2015</a:t>
             </a:fld>
             <a:endParaRPr lang="fr-FR"/>
           </a:p>
@@ -19922,7 +20012,7 @@
           <a:p>
             <a:fld id="{527E8541-7182-42B1-9D8B-9D6033CA56C0}" type="datetime1">
               <a:rPr lang="fr-FR" smtClean="0"/>
-              <a:t>29/01/2015</a:t>
+              <a:t>04/02/2015</a:t>
             </a:fld>
             <a:endParaRPr lang="fr-FR"/>
           </a:p>
@@ -20321,7 +20411,7 @@
           <a:p>
             <a:fld id="{C238692D-E5FA-42A2-ABB8-DFED4D2C27E9}" type="datetime1">
               <a:rPr lang="fr-FR" smtClean="0"/>
-              <a:t>29/01/2015</a:t>
+              <a:t>04/02/2015</a:t>
             </a:fld>
             <a:endParaRPr lang="fr-FR"/>
           </a:p>
@@ -20440,7 +20530,7 @@
           <a:p>
             <a:fld id="{A17067F4-B6D4-42EA-BBB7-E66D6D962493}" type="datetime1">
               <a:rPr lang="fr-FR" smtClean="0"/>
-              <a:t>29/01/2015</a:t>
+              <a:t>04/02/2015</a:t>
             </a:fld>
             <a:endParaRPr lang="fr-FR"/>
           </a:p>
@@ -20536,7 +20626,7 @@
           <a:p>
             <a:fld id="{0E147812-1C73-4CFE-86A7-504C91E63FA8}" type="datetime1">
               <a:rPr lang="fr-FR" smtClean="0"/>
-              <a:t>29/01/2015</a:t>
+              <a:t>04/02/2015</a:t>
             </a:fld>
             <a:endParaRPr lang="fr-FR"/>
           </a:p>
@@ -20827,7 +20917,7 @@
           <a:p>
             <a:fld id="{B1DB5F3B-BE95-4CAC-8294-0DFF6AE6D132}" type="datetime1">
               <a:rPr lang="fr-FR" smtClean="0"/>
-              <a:t>29/01/2015</a:t>
+              <a:t>04/02/2015</a:t>
             </a:fld>
             <a:endParaRPr lang="fr-FR"/>
           </a:p>
@@ -21108,7 +21198,7 @@
           <a:p>
             <a:fld id="{C6D59815-2BCA-4F3B-B450-63C11599A471}" type="datetime1">
               <a:rPr lang="fr-FR" smtClean="0"/>
-              <a:t>29/01/2015</a:t>
+              <a:t>04/02/2015</a:t>
             </a:fld>
             <a:endParaRPr lang="fr-FR"/>
           </a:p>
@@ -21359,7 +21449,7 @@
           <a:p>
             <a:fld id="{0E124EAE-0F6F-4BE3-8C0F-EC8476FA8211}" type="datetime1">
               <a:rPr lang="fr-FR" smtClean="0"/>
-              <a:t>29/01/2015</a:t>
+              <a:t>04/02/2015</a:t>
             </a:fld>
             <a:endParaRPr lang="fr-FR"/>
           </a:p>
@@ -22166,7 +22256,7 @@
           <a:p>
             <a:r>
               <a:rPr lang="fr-FR" dirty="0" smtClean="0"/>
-              <a:t>Prise en main et utilisation</a:t>
+              <a:t>Prise en main (1/2) : Mise en place d’une DHT</a:t>
             </a:r>
             <a:endParaRPr lang="fr-FR" dirty="0"/>
           </a:p>
@@ -22185,27 +22275,176 @@
         <p:spPr/>
         <p:txBody>
           <a:bodyPr>
-            <a:normAutofit/>
+            <a:noAutofit/>
           </a:bodyPr>
           <a:lstStyle/>
           <a:p>
+            <a:pPr>
+              <a:lnSpc>
+                <a:spcPct val="110000"/>
+              </a:lnSpc>
+            </a:pPr>
+            <a:r>
+              <a:rPr lang="fr-FR" dirty="0"/>
+              <a:t>Création de </a:t>
+            </a:r>
             <a:r>
               <a:rPr lang="fr-FR" dirty="0" smtClean="0"/>
-              <a:t>Rédaction de scenarios</a:t>
-            </a:r>
-          </a:p>
-          <a:p>
+              <a:t>nœuds</a:t>
+            </a:r>
+            <a:endParaRPr lang="fr-FR" dirty="0"/>
+          </a:p>
+          <a:p>
+            <a:pPr marL="459486" lvl="1" indent="-285750">
+              <a:lnSpc>
+                <a:spcPct val="110000"/>
+              </a:lnSpc>
+            </a:pPr>
+            <a:r>
+              <a:rPr lang="fr-FR" dirty="0" err="1" smtClean="0"/>
+              <a:t>owdhtshell</a:t>
+            </a:r>
             <a:r>
               <a:rPr lang="fr-FR" dirty="0" smtClean="0"/>
-              <a:t>Nécessiter de s’y interface</a:t>
-            </a:r>
-          </a:p>
-          <a:p>
+              <a:t> </a:t>
+            </a:r>
+            <a:r>
+              <a:rPr lang="fr-FR" dirty="0"/>
+              <a:t>: création d’un nœud</a:t>
+            </a:r>
+          </a:p>
+          <a:p>
+            <a:pPr marL="459486" lvl="1" indent="-285750">
+              <a:lnSpc>
+                <a:spcPct val="110000"/>
+              </a:lnSpc>
+            </a:pPr>
+            <a:r>
+              <a:rPr lang="fr-FR" dirty="0" err="1" smtClean="0"/>
+              <a:t>owdhtshell</a:t>
+            </a:r>
             <a:r>
               <a:rPr lang="fr-FR" dirty="0" smtClean="0"/>
-              <a:t>…</a:t>
-            </a:r>
-            <a:endParaRPr lang="fr-FR" dirty="0" smtClean="0"/>
+              <a:t> </a:t>
+            </a:r>
+            <a:r>
+              <a:rPr lang="fr-FR" dirty="0"/>
+              <a:t>&lt;</a:t>
+            </a:r>
+            <a:r>
+              <a:rPr lang="fr-FR" dirty="0" err="1"/>
+              <a:t>hostname</a:t>
+            </a:r>
+            <a:r>
+              <a:rPr lang="fr-FR" dirty="0"/>
+              <a:t>&gt; : création d’un second </a:t>
+            </a:r>
+            <a:r>
+              <a:rPr lang="fr-FR" dirty="0" smtClean="0"/>
+              <a:t>nœud</a:t>
+            </a:r>
+            <a:br>
+              <a:rPr lang="fr-FR" dirty="0" smtClean="0"/>
+            </a:br>
+            <a:endParaRPr lang="fr-FR" dirty="0"/>
+          </a:p>
+          <a:p>
+            <a:pPr>
+              <a:lnSpc>
+                <a:spcPct val="110000"/>
+              </a:lnSpc>
+            </a:pPr>
+            <a:r>
+              <a:rPr lang="fr-FR" dirty="0" smtClean="0"/>
+              <a:t>Interaction avec la DHT</a:t>
+            </a:r>
+            <a:endParaRPr lang="fr-FR" dirty="0"/>
+          </a:p>
+          <a:p>
+            <a:pPr marL="459486" lvl="1" indent="-285750">
+              <a:lnSpc>
+                <a:spcPct val="110000"/>
+              </a:lnSpc>
+            </a:pPr>
+            <a:r>
+              <a:rPr lang="fr-FR" dirty="0" smtClean="0"/>
+              <a:t>put </a:t>
+            </a:r>
+            <a:r>
+              <a:rPr lang="fr-FR" dirty="0"/>
+              <a:t>&lt;clé&gt;</a:t>
+            </a:r>
+            <a:r>
+              <a:rPr lang="fr-FR" dirty="0"/>
+              <a:t> </a:t>
+            </a:r>
+            <a:r>
+              <a:rPr lang="fr-FR" dirty="0"/>
+              <a:t>&lt;valeur</a:t>
+            </a:r>
+            <a:r>
+              <a:rPr lang="fr-FR" dirty="0" smtClean="0"/>
+              <a:t>&gt;</a:t>
+            </a:r>
+            <a:endParaRPr lang="fr-FR" dirty="0"/>
+          </a:p>
+          <a:p>
+            <a:pPr marL="459486" lvl="1" indent="-285750">
+              <a:lnSpc>
+                <a:spcPct val="110000"/>
+              </a:lnSpc>
+            </a:pPr>
+            <a:r>
+              <a:rPr lang="fr-FR" dirty="0" err="1" smtClean="0"/>
+              <a:t>get</a:t>
+            </a:r>
+            <a:r>
+              <a:rPr lang="fr-FR" dirty="0" smtClean="0"/>
+              <a:t> </a:t>
+            </a:r>
+            <a:r>
+              <a:rPr lang="fr-FR" dirty="0"/>
+              <a:t>&lt;clé</a:t>
+            </a:r>
+            <a:r>
+              <a:rPr lang="fr-FR" dirty="0" smtClean="0"/>
+              <a:t>&gt;</a:t>
+            </a:r>
+            <a:br>
+              <a:rPr lang="fr-FR" dirty="0" smtClean="0"/>
+            </a:br>
+            <a:endParaRPr lang="fr-FR" dirty="0"/>
+          </a:p>
+          <a:p>
+            <a:pPr>
+              <a:lnSpc>
+                <a:spcPct val="110000"/>
+              </a:lnSpc>
+            </a:pPr>
+            <a:r>
+              <a:rPr lang="fr-FR" dirty="0" smtClean="0"/>
+              <a:t>Afficher le statut de la DHT</a:t>
+            </a:r>
+          </a:p>
+          <a:p>
+            <a:pPr lvl="1">
+              <a:lnSpc>
+                <a:spcPct val="110000"/>
+              </a:lnSpc>
+            </a:pPr>
+            <a:r>
+              <a:rPr lang="fr-FR" dirty="0" err="1" smtClean="0"/>
+              <a:t>status</a:t>
+            </a:r>
+            <a:endParaRPr lang="fr-FR" dirty="0"/>
+          </a:p>
+          <a:p>
+            <a:pPr>
+              <a:lnSpc>
+                <a:spcPct val="110000"/>
+              </a:lnSpc>
+            </a:pPr>
+            <a:endParaRPr lang="fr-FR" dirty="0"/>
           </a:p>
         </p:txBody>
       </p:sp>
@@ -22358,6 +22597,33 @@
         </p:nvSpPr>
         <p:spPr/>
         <p:txBody>
+          <a:bodyPr/>
+          <a:lstStyle/>
+          <a:p>
+            <a:r>
+              <a:rPr lang="fr-FR" dirty="0"/>
+              <a:t>Prise en main (1/2) : </a:t>
+            </a:r>
+            <a:r>
+              <a:rPr lang="fr-FR" dirty="0" smtClean="0"/>
+              <a:t>Scénarios</a:t>
+            </a:r>
+            <a:endParaRPr lang="fr-FR" dirty="0"/>
+          </a:p>
+        </p:txBody>
+      </p:sp>
+      <p:sp>
+        <p:nvSpPr>
+          <p:cNvPr id="3" name="Espace réservé du contenu 2"/>
+          <p:cNvSpPr>
+            <a:spLocks noGrp="1"/>
+          </p:cNvSpPr>
+          <p:nvPr>
+            <p:ph idx="1"/>
+          </p:nvPr>
+        </p:nvSpPr>
+        <p:spPr/>
+        <p:txBody>
           <a:bodyPr>
             <a:normAutofit/>
           </a:bodyPr>
@@ -22365,34 +22631,14 @@
           <a:p>
             <a:r>
               <a:rPr lang="fr-FR" dirty="0" smtClean="0"/>
-              <a:t>Blocs de programmation</a:t>
-            </a:r>
-            <a:endParaRPr lang="fr-FR" dirty="0"/>
+              <a:t>Émuler une DHT toute entière</a:t>
+            </a:r>
           </a:p>
         </p:txBody>
       </p:sp>
       <p:sp>
         <p:nvSpPr>
-          <p:cNvPr id="3" name="Espace réservé du texte 2"/>
-          <p:cNvSpPr>
-            <a:spLocks noGrp="1"/>
-          </p:cNvSpPr>
-          <p:nvPr>
-            <p:ph type="body" idx="1"/>
-          </p:nvPr>
-        </p:nvSpPr>
-        <p:spPr/>
-        <p:txBody>
-          <a:bodyPr/>
-          <a:lstStyle/>
-          <a:p>
-            <a:endParaRPr lang="fr-FR" dirty="0"/>
-          </a:p>
-        </p:txBody>
-      </p:sp>
-      <p:sp>
-        <p:nvSpPr>
-          <p:cNvPr id="8" name="Espace réservé du numéro de diapositive 4"/>
+          <p:cNvPr id="9" name="Espace réservé du numéro de diapositive 4"/>
           <p:cNvSpPr>
             <a:spLocks noGrp="1"/>
           </p:cNvSpPr>
@@ -22400,7 +22646,12 @@
             <p:ph type="sldNum" sz="quarter" idx="12"/>
           </p:nvPr>
         </p:nvSpPr>
-        <p:spPr/>
+        <p:spPr>
+          <a:xfrm>
+            <a:off x="0" y="6492875"/>
+            <a:ext cx="12192000" cy="365125"/>
+          </a:xfrm>
+        </p:spPr>
         <p:txBody>
           <a:bodyPr/>
           <a:lstStyle/>
@@ -22439,10 +22690,80 @@
           </a:p>
         </p:txBody>
       </p:sp>
+      <p:sp>
+        <p:nvSpPr>
+          <p:cNvPr id="4" name="ZoneTexte 3"/>
+          <p:cNvSpPr txBox="1"/>
+          <p:nvPr/>
+        </p:nvSpPr>
+        <p:spPr>
+          <a:xfrm>
+            <a:off x="0" y="0"/>
+            <a:ext cx="4804392" cy="369332"/>
+          </a:xfrm>
+          <a:prstGeom prst="rect">
+            <a:avLst/>
+          </a:prstGeom>
+          <a:noFill/>
+        </p:spPr>
+        <p:txBody>
+          <a:bodyPr wrap="none" rtlCol="0">
+            <a:spAutoFit/>
+          </a:bodyPr>
+          <a:lstStyle/>
+          <a:p>
+            <a:r>
+              <a:rPr lang="fr-FR" dirty="0" smtClean="0">
+                <a:solidFill>
+                  <a:schemeClr val="bg1"/>
+                </a:solidFill>
+              </a:rPr>
+              <a:t>Exposé du problème -&gt; Solution -&gt; </a:t>
+            </a:r>
+            <a:r>
+              <a:rPr lang="fr-FR" b="1" dirty="0" smtClean="0">
+                <a:solidFill>
+                  <a:schemeClr val="bg1"/>
+                </a:solidFill>
+              </a:rPr>
+              <a:t>Une approche</a:t>
+            </a:r>
+            <a:endParaRPr lang="fr-FR" b="1" dirty="0">
+              <a:solidFill>
+                <a:schemeClr val="bg1"/>
+              </a:solidFill>
+            </a:endParaRPr>
+          </a:p>
+        </p:txBody>
+      </p:sp>
+      <p:pic>
+        <p:nvPicPr>
+          <p:cNvPr id="6" name="Image 5"/>
+          <p:cNvPicPr>
+            <a:picLocks noChangeAspect="1"/>
+          </p:cNvPicPr>
+          <p:nvPr/>
+        </p:nvPicPr>
+        <p:blipFill>
+          <a:blip r:embed="rId3"/>
+          <a:stretch>
+            <a:fillRect/>
+          </a:stretch>
+        </p:blipFill>
+        <p:spPr>
+          <a:xfrm>
+            <a:off x="1415931" y="2780741"/>
+            <a:ext cx="8936466" cy="3528619"/>
+          </a:xfrm>
+          <a:prstGeom prst="rect">
+            <a:avLst/>
+          </a:prstGeom>
+        </p:spPr>
+      </p:pic>
     </p:spTree>
     <p:extLst>
       <p:ext uri="{BB962C8B-B14F-4D97-AF65-F5344CB8AC3E}">
-        <p14:creationId xmlns:p14="http://schemas.microsoft.com/office/powerpoint/2010/main" val="814222032"/>
+        <p14:creationId xmlns:p14="http://schemas.microsoft.com/office/powerpoint/2010/main" val="3221479024"/>
       </p:ext>
     </p:extLst>
   </p:cSld>
@@ -22488,12 +22809,14 @@
         </p:nvSpPr>
         <p:spPr/>
         <p:txBody>
-          <a:bodyPr/>
+          <a:bodyPr>
+            <a:normAutofit/>
+          </a:bodyPr>
           <a:lstStyle/>
           <a:p>
             <a:r>
               <a:rPr lang="fr-FR" dirty="0" smtClean="0"/>
-              <a:t>Bloc 1 : dégradation des données</a:t>
+              <a:t>Blocs de programmation</a:t>
             </a:r>
             <a:endParaRPr lang="fr-FR" dirty="0"/>
           </a:p>
@@ -22501,31 +22824,26 @@
       </p:sp>
       <p:sp>
         <p:nvSpPr>
-          <p:cNvPr id="3" name="Espace réservé du contenu 2"/>
+          <p:cNvPr id="3" name="Espace réservé du texte 2"/>
           <p:cNvSpPr>
             <a:spLocks noGrp="1"/>
           </p:cNvSpPr>
           <p:nvPr>
-            <p:ph idx="1"/>
+            <p:ph type="body" idx="1"/>
           </p:nvPr>
         </p:nvSpPr>
         <p:spPr/>
         <p:txBody>
-          <a:bodyPr>
-            <a:normAutofit/>
-          </a:bodyPr>
+          <a:bodyPr/>
           <a:lstStyle/>
           <a:p>
-            <a:r>
-              <a:rPr lang="en-US" dirty="0" smtClean="0"/>
-              <a:t>…</a:t>
-            </a:r>
+            <a:endParaRPr lang="fr-FR" dirty="0"/>
           </a:p>
         </p:txBody>
       </p:sp>
       <p:sp>
         <p:nvSpPr>
-          <p:cNvPr id="9" name="Espace réservé du numéro de diapositive 4"/>
+          <p:cNvPr id="8" name="Espace réservé du numéro de diapositive 4"/>
           <p:cNvSpPr>
             <a:spLocks noGrp="1"/>
           </p:cNvSpPr>
@@ -22533,12 +22851,7 @@
             <p:ph type="sldNum" sz="quarter" idx="12"/>
           </p:nvPr>
         </p:nvSpPr>
-        <p:spPr>
-          <a:xfrm>
-            <a:off x="0" y="6492875"/>
-            <a:ext cx="12192000" cy="365125"/>
-          </a:xfrm>
-        </p:spPr>
+        <p:spPr/>
         <p:txBody>
           <a:bodyPr/>
           <a:lstStyle/>
@@ -22577,56 +22890,10 @@
           </a:p>
         </p:txBody>
       </p:sp>
-      <p:sp>
-        <p:nvSpPr>
-          <p:cNvPr id="4" name="ZoneTexte 3"/>
-          <p:cNvSpPr txBox="1"/>
-          <p:nvPr/>
-        </p:nvSpPr>
-        <p:spPr>
-          <a:xfrm>
-            <a:off x="0" y="0"/>
-            <a:ext cx="4804392" cy="369332"/>
-          </a:xfrm>
-          <a:prstGeom prst="rect">
-            <a:avLst/>
-          </a:prstGeom>
-          <a:noFill/>
-        </p:spPr>
-        <p:txBody>
-          <a:bodyPr wrap="none" rtlCol="0">
-            <a:spAutoFit/>
-          </a:bodyPr>
-          <a:lstStyle/>
-          <a:p>
-            <a:r>
-              <a:rPr lang="fr-FR" dirty="0" smtClean="0">
-                <a:solidFill>
-                  <a:schemeClr val="bg1"/>
-                </a:solidFill>
-              </a:rPr>
-              <a:t>Exposé du problème -&gt; Solution -&gt; </a:t>
-            </a:r>
-            <a:r>
-              <a:rPr lang="fr-FR" b="1" dirty="0" smtClean="0">
-                <a:solidFill>
-                  <a:schemeClr val="bg1"/>
-                </a:solidFill>
-              </a:rPr>
-              <a:t>Une approche</a:t>
-            </a:r>
-            <a:endParaRPr lang="fr-FR" b="1" dirty="0">
-              <a:solidFill>
-                <a:schemeClr val="bg1"/>
-              </a:solidFill>
-            </a:endParaRPr>
-          </a:p>
-        </p:txBody>
-      </p:sp>
     </p:spTree>
     <p:extLst>
       <p:ext uri="{BB962C8B-B14F-4D97-AF65-F5344CB8AC3E}">
-        <p14:creationId xmlns:p14="http://schemas.microsoft.com/office/powerpoint/2010/main" val="2872210458"/>
+        <p14:creationId xmlns:p14="http://schemas.microsoft.com/office/powerpoint/2010/main" val="814222032"/>
       </p:ext>
     </p:extLst>
   </p:cSld>
@@ -22677,7 +22944,15 @@
           <a:p>
             <a:r>
               <a:rPr lang="fr-FR" dirty="0" smtClean="0"/>
-              <a:t>Bloc 2 : Chiffrement des grains</a:t>
+              <a:t>Entrées/sorties </a:t>
+            </a:r>
+            <a:r>
+              <a:rPr lang="fr-FR" dirty="0"/>
+              <a:t>des </a:t>
+            </a:r>
+            <a:r>
+              <a:rPr lang="fr-FR" dirty="0" smtClean="0"/>
+              <a:t>blocs : 1 fichier/Objet</a:t>
             </a:r>
             <a:endParaRPr lang="fr-FR" dirty="0"/>
           </a:p>
@@ -22696,13 +22971,139 @@
         <p:spPr/>
         <p:txBody>
           <a:bodyPr>
-            <a:normAutofit/>
+            <a:normAutofit fontScale="92500" lnSpcReduction="10000"/>
           </a:bodyPr>
           <a:lstStyle/>
           <a:p>
-            <a:r>
-              <a:rPr lang="en-US" dirty="0" smtClean="0"/>
-              <a:t>…</a:t>
+            <a:pPr lvl="1"/>
+            <a:r>
+              <a:rPr lang="fr-FR" dirty="0" smtClean="0"/>
+              <a:t>Latitude N &gt; 0; Longitude E &gt; 0; Rayon</a:t>
+            </a:r>
+          </a:p>
+          <a:p>
+            <a:r>
+              <a:rPr lang="fr-FR" b="1" dirty="0" smtClean="0"/>
+              <a:t>Dégradation de </a:t>
+            </a:r>
+            <a:r>
+              <a:rPr lang="fr-FR" b="1" dirty="0" smtClean="0"/>
+              <a:t>données</a:t>
+            </a:r>
+          </a:p>
+          <a:p>
+            <a:pPr lvl="1"/>
+            <a:r>
+              <a:rPr lang="fr-FR" dirty="0" smtClean="0"/>
+              <a:t>(Latitude N1 </a:t>
+            </a:r>
+            <a:r>
+              <a:rPr lang="fr-FR" dirty="0"/>
+              <a:t>&gt; 0; Longitude </a:t>
+            </a:r>
+            <a:r>
+              <a:rPr lang="fr-FR" dirty="0" smtClean="0"/>
+              <a:t>E1 </a:t>
+            </a:r>
+            <a:r>
+              <a:rPr lang="fr-FR" dirty="0"/>
+              <a:t>&gt; 0; </a:t>
+            </a:r>
+            <a:r>
+              <a:rPr lang="fr-FR" dirty="0" smtClean="0"/>
+              <a:t>Rayon1) …  (</a:t>
+            </a:r>
+            <a:r>
+              <a:rPr lang="fr-FR" dirty="0"/>
+              <a:t>Latitude </a:t>
+            </a:r>
+            <a:r>
+              <a:rPr lang="fr-FR" dirty="0" smtClean="0"/>
+              <a:t>Ni </a:t>
+            </a:r>
+            <a:r>
+              <a:rPr lang="fr-FR" dirty="0"/>
+              <a:t>&gt; 0; Longitude </a:t>
+            </a:r>
+            <a:r>
+              <a:rPr lang="fr-FR" dirty="0" err="1" smtClean="0"/>
+              <a:t>Ei</a:t>
+            </a:r>
+            <a:r>
+              <a:rPr lang="fr-FR" dirty="0" smtClean="0"/>
+              <a:t> </a:t>
+            </a:r>
+            <a:r>
+              <a:rPr lang="fr-FR" dirty="0"/>
+              <a:t>&gt; 0; </a:t>
+            </a:r>
+            <a:r>
+              <a:rPr lang="fr-FR" dirty="0" err="1" smtClean="0"/>
+              <a:t>Rayoni</a:t>
+            </a:r>
+            <a:r>
+              <a:rPr lang="fr-FR" dirty="0" smtClean="0"/>
+              <a:t>)</a:t>
+            </a:r>
+            <a:endParaRPr lang="fr-FR" dirty="0"/>
+          </a:p>
+          <a:p>
+            <a:r>
+              <a:rPr lang="fr-FR" b="1" dirty="0" smtClean="0"/>
+              <a:t>Cryptographie</a:t>
+            </a:r>
+          </a:p>
+          <a:p>
+            <a:pPr lvl="1"/>
+            <a:r>
+              <a:rPr lang="fr-FR" dirty="0" smtClean="0"/>
+              <a:t>String = chiffré de chaque objet</a:t>
+            </a:r>
+          </a:p>
+          <a:p>
+            <a:pPr lvl="1"/>
+            <a:r>
+              <a:rPr lang="fr-FR" dirty="0" smtClean="0"/>
+              <a:t>Clés correspondantes (PEM format)</a:t>
+            </a:r>
+            <a:endParaRPr lang="fr-FR" dirty="0" smtClean="0"/>
+          </a:p>
+          <a:p>
+            <a:r>
+              <a:rPr lang="fr-FR" b="1" dirty="0" smtClean="0"/>
+              <a:t>Secret de </a:t>
+            </a:r>
+            <a:r>
+              <a:rPr lang="fr-FR" b="1" dirty="0" smtClean="0"/>
+              <a:t>Shamir</a:t>
+            </a:r>
+          </a:p>
+          <a:p>
+            <a:pPr lvl="1"/>
+            <a:r>
+              <a:rPr lang="fr-FR" dirty="0" smtClean="0"/>
+              <a:t>Coordonnées (x1;y1) … (xi; yi)</a:t>
+            </a:r>
+            <a:endParaRPr lang="fr-FR" dirty="0" smtClean="0"/>
+          </a:p>
+          <a:p>
+            <a:r>
+              <a:rPr lang="fr-FR" b="1" dirty="0" smtClean="0"/>
+              <a:t>DHT</a:t>
+            </a:r>
+          </a:p>
+          <a:p>
+            <a:pPr lvl="1"/>
+            <a:r>
+              <a:rPr lang="fr-FR" dirty="0" smtClean="0"/>
+              <a:t>String = haché de la string de points</a:t>
+            </a:r>
+            <a:endParaRPr lang="fr-FR" dirty="0" smtClean="0"/>
+          </a:p>
+          <a:p>
+            <a:r>
+              <a:rPr lang="fr-FR" b="1" dirty="0" smtClean="0"/>
+              <a:t>Stockage</a:t>
             </a:r>
           </a:p>
         </p:txBody>
@@ -22810,7 +23211,7 @@
     </p:spTree>
     <p:extLst>
       <p:ext uri="{BB962C8B-B14F-4D97-AF65-F5344CB8AC3E}">
-        <p14:creationId xmlns:p14="http://schemas.microsoft.com/office/powerpoint/2010/main" val="2476228588"/>
+        <p14:creationId xmlns:p14="http://schemas.microsoft.com/office/powerpoint/2010/main" val="3644864434"/>
       </p:ext>
     </p:extLst>
   </p:cSld>
@@ -22856,41 +23257,89 @@
         </p:nvSpPr>
         <p:spPr/>
         <p:txBody>
+          <a:bodyPr/>
+          <a:lstStyle/>
+          <a:p>
+            <a:r>
+              <a:rPr lang="fr-FR" dirty="0" smtClean="0"/>
+              <a:t>ZOOM sur le Bloc 4</a:t>
+            </a:r>
+            <a:endParaRPr lang="fr-FR" dirty="0"/>
+          </a:p>
+        </p:txBody>
+      </p:sp>
+      <p:sp>
+        <p:nvSpPr>
+          <p:cNvPr id="3" name="Espace réservé du contenu 2"/>
+          <p:cNvSpPr>
+            <a:spLocks noGrp="1"/>
+          </p:cNvSpPr>
+          <p:nvPr>
+            <p:ph idx="1"/>
+          </p:nvPr>
+        </p:nvSpPr>
+        <p:spPr/>
+        <p:txBody>
           <a:bodyPr>
             <a:normAutofit/>
           </a:bodyPr>
           <a:lstStyle/>
           <a:p>
-            <a:r>
-              <a:rPr lang="fr-FR" dirty="0" smtClean="0"/>
-              <a:t>Conclusion</a:t>
-            </a:r>
-            <a:endParaRPr lang="fr-FR" dirty="0"/>
+            <a:endParaRPr lang="en-US" dirty="0" smtClean="0"/>
+          </a:p>
+          <a:p>
+            <a:endParaRPr lang="en-US" dirty="0"/>
+          </a:p>
+          <a:p>
+            <a:r>
+              <a:rPr lang="en-US" dirty="0" smtClean="0">
+                <a:solidFill>
+                  <a:srgbClr val="FF0000"/>
+                </a:solidFill>
+              </a:rPr>
+              <a:t>Explication des </a:t>
+            </a:r>
+            <a:r>
+              <a:rPr lang="en-US" dirty="0" err="1" smtClean="0">
+                <a:solidFill>
+                  <a:srgbClr val="FF0000"/>
+                </a:solidFill>
+              </a:rPr>
+              <a:t>enjeux</a:t>
+            </a:r>
+            <a:endParaRPr lang="en-US" dirty="0" smtClean="0">
+              <a:solidFill>
+                <a:srgbClr val="FF0000"/>
+              </a:solidFill>
+            </a:endParaRPr>
+          </a:p>
+          <a:p>
+            <a:endParaRPr lang="en-US" dirty="0">
+              <a:solidFill>
+                <a:srgbClr val="FF0000"/>
+              </a:solidFill>
+            </a:endParaRPr>
+          </a:p>
+          <a:p>
+            <a:r>
+              <a:rPr lang="en-US" dirty="0" err="1" smtClean="0">
+                <a:solidFill>
+                  <a:srgbClr val="FF0000"/>
+                </a:solidFill>
+              </a:rPr>
+              <a:t>Démo</a:t>
+            </a:r>
+            <a:endParaRPr lang="en-US" dirty="0" smtClean="0">
+              <a:solidFill>
+                <a:srgbClr val="FF0000"/>
+              </a:solidFill>
+            </a:endParaRPr>
           </a:p>
         </p:txBody>
       </p:sp>
       <p:sp>
         <p:nvSpPr>
-          <p:cNvPr id="3" name="Espace réservé du texte 2"/>
-          <p:cNvSpPr>
-            <a:spLocks noGrp="1"/>
-          </p:cNvSpPr>
-          <p:nvPr>
-            <p:ph type="body" idx="1"/>
-          </p:nvPr>
-        </p:nvSpPr>
-        <p:spPr/>
-        <p:txBody>
-          <a:bodyPr/>
-          <a:lstStyle/>
-          <a:p>
-            <a:endParaRPr lang="fr-FR" dirty="0"/>
-          </a:p>
-        </p:txBody>
-      </p:sp>
-      <p:sp>
-        <p:nvSpPr>
-          <p:cNvPr id="8" name="Espace réservé du numéro de diapositive 4"/>
+          <p:cNvPr id="9" name="Espace réservé du numéro de diapositive 4"/>
           <p:cNvSpPr>
             <a:spLocks noGrp="1"/>
           </p:cNvSpPr>
@@ -22898,7 +23347,12 @@
             <p:ph type="sldNum" sz="quarter" idx="12"/>
           </p:nvPr>
         </p:nvSpPr>
-        <p:spPr/>
+        <p:spPr>
+          <a:xfrm>
+            <a:off x="0" y="6492875"/>
+            <a:ext cx="12192000" cy="365125"/>
+          </a:xfrm>
+        </p:spPr>
         <p:txBody>
           <a:bodyPr/>
           <a:lstStyle/>
@@ -22937,10 +23391,56 @@
           </a:p>
         </p:txBody>
       </p:sp>
+      <p:sp>
+        <p:nvSpPr>
+          <p:cNvPr id="4" name="ZoneTexte 3"/>
+          <p:cNvSpPr txBox="1"/>
+          <p:nvPr/>
+        </p:nvSpPr>
+        <p:spPr>
+          <a:xfrm>
+            <a:off x="0" y="0"/>
+            <a:ext cx="4804392" cy="369332"/>
+          </a:xfrm>
+          <a:prstGeom prst="rect">
+            <a:avLst/>
+          </a:prstGeom>
+          <a:noFill/>
+        </p:spPr>
+        <p:txBody>
+          <a:bodyPr wrap="none" rtlCol="0">
+            <a:spAutoFit/>
+          </a:bodyPr>
+          <a:lstStyle/>
+          <a:p>
+            <a:r>
+              <a:rPr lang="fr-FR" dirty="0" smtClean="0">
+                <a:solidFill>
+                  <a:schemeClr val="bg1"/>
+                </a:solidFill>
+              </a:rPr>
+              <a:t>Exposé du problème -&gt; Solution -&gt; </a:t>
+            </a:r>
+            <a:r>
+              <a:rPr lang="fr-FR" b="1" dirty="0" smtClean="0">
+                <a:solidFill>
+                  <a:schemeClr val="bg1"/>
+                </a:solidFill>
+              </a:rPr>
+              <a:t>Une approche</a:t>
+            </a:r>
+            <a:endParaRPr lang="fr-FR" b="1" dirty="0">
+              <a:solidFill>
+                <a:schemeClr val="bg1"/>
+              </a:solidFill>
+            </a:endParaRPr>
+          </a:p>
+        </p:txBody>
+      </p:sp>
     </p:spTree>
     <p:extLst>
       <p:ext uri="{BB962C8B-B14F-4D97-AF65-F5344CB8AC3E}">
-        <p14:creationId xmlns:p14="http://schemas.microsoft.com/office/powerpoint/2010/main" val="71939733"/>
+        <p14:creationId xmlns:p14="http://schemas.microsoft.com/office/powerpoint/2010/main" val="2872210458"/>
       </p:ext>
     </p:extLst>
   </p:cSld>
@@ -22986,12 +23486,14 @@
         </p:nvSpPr>
         <p:spPr/>
         <p:txBody>
-          <a:bodyPr/>
+          <a:bodyPr>
+            <a:normAutofit/>
+          </a:bodyPr>
           <a:lstStyle/>
           <a:p>
             <a:r>
               <a:rPr lang="fr-FR" dirty="0" smtClean="0"/>
-              <a:t>Limites</a:t>
+              <a:t>Conclusion</a:t>
             </a:r>
             <a:endParaRPr lang="fr-FR" dirty="0"/>
           </a:p>
@@ -22999,91 +23501,26 @@
       </p:sp>
       <p:sp>
         <p:nvSpPr>
-          <p:cNvPr id="3" name="Espace réservé du contenu 2"/>
+          <p:cNvPr id="3" name="Espace réservé du texte 2"/>
           <p:cNvSpPr>
             <a:spLocks noGrp="1"/>
           </p:cNvSpPr>
           <p:nvPr>
-            <p:ph idx="1"/>
+            <p:ph type="body" idx="1"/>
           </p:nvPr>
         </p:nvSpPr>
         <p:spPr/>
         <p:txBody>
-          <a:bodyPr>
-            <a:normAutofit/>
-          </a:bodyPr>
+          <a:bodyPr/>
           <a:lstStyle/>
           <a:p>
-            <a:r>
-              <a:rPr lang="fr-FR" dirty="0" smtClean="0"/>
-              <a:t>De l’idée</a:t>
-            </a:r>
-          </a:p>
-          <a:p>
-            <a:pPr lvl="1"/>
-            <a:r>
-              <a:rPr lang="fr-FR" dirty="0" smtClean="0"/>
-              <a:t>Modèle “honnête mais curieux”</a:t>
-            </a:r>
-          </a:p>
-          <a:p>
-            <a:pPr lvl="1"/>
-            <a:r>
-              <a:rPr lang="fr-FR" dirty="0" smtClean="0"/>
-              <a:t>Borne inf. à la durée de vie des données</a:t>
-            </a:r>
-          </a:p>
-          <a:p>
-            <a:pPr lvl="1"/>
-            <a:r>
-              <a:rPr lang="fr-FR" dirty="0" smtClean="0"/>
-              <a:t>Ne s’applique pas rétroactivement aux données déjà publiées</a:t>
-            </a:r>
-          </a:p>
-          <a:p>
-            <a:pPr lvl="1"/>
-            <a:r>
-              <a:rPr lang="fr-FR" dirty="0" smtClean="0"/>
-              <a:t>Difficulté de proposer un modèle de dégradation général</a:t>
-            </a:r>
-          </a:p>
-          <a:p>
-            <a:endParaRPr lang="fr-FR" dirty="0" smtClean="0"/>
-          </a:p>
-          <a:p>
-            <a:r>
-              <a:rPr lang="fr-FR" dirty="0" smtClean="0"/>
-              <a:t>De </a:t>
-            </a:r>
-            <a:r>
-              <a:rPr lang="fr-FR" smtClean="0"/>
-              <a:t>notre démarche</a:t>
-            </a:r>
-            <a:endParaRPr lang="fr-FR" dirty="0" smtClean="0"/>
-          </a:p>
-          <a:p>
-            <a:pPr lvl="1"/>
-            <a:r>
-              <a:rPr lang="fr-FR" dirty="0" smtClean="0"/>
-              <a:t>Reste un risque : la mesure du </a:t>
-            </a:r>
-            <a:r>
-              <a:rPr lang="fr-FR" dirty="0" err="1" smtClean="0"/>
-              <a:t>churn</a:t>
-            </a:r>
-            <a:endParaRPr lang="fr-FR" dirty="0" smtClean="0"/>
-          </a:p>
-          <a:p>
-            <a:pPr marL="457200" lvl="1" indent="0">
-              <a:buNone/>
-            </a:pPr>
             <a:endParaRPr lang="fr-FR" dirty="0"/>
           </a:p>
         </p:txBody>
       </p:sp>
       <p:sp>
         <p:nvSpPr>
-          <p:cNvPr id="10" name="Espace réservé du numéro de diapositive 4"/>
+          <p:cNvPr id="8" name="Espace réservé du numéro de diapositive 4"/>
           <p:cNvSpPr>
             <a:spLocks noGrp="1"/>
           </p:cNvSpPr>
@@ -23091,12 +23528,7 @@
             <p:ph type="sldNum" sz="quarter" idx="12"/>
           </p:nvPr>
         </p:nvSpPr>
-        <p:spPr>
-          <a:xfrm>
-            <a:off x="0" y="6492875"/>
-            <a:ext cx="12192000" cy="365125"/>
-          </a:xfrm>
-        </p:spPr>
+        <p:spPr/>
         <p:txBody>
           <a:bodyPr/>
           <a:lstStyle/>
@@ -23135,56 +23567,10 @@
           </a:p>
         </p:txBody>
       </p:sp>
-      <p:sp>
-        <p:nvSpPr>
-          <p:cNvPr id="4" name="ZoneTexte 3"/>
-          <p:cNvSpPr txBox="1"/>
-          <p:nvPr/>
-        </p:nvSpPr>
-        <p:spPr>
-          <a:xfrm>
-            <a:off x="0" y="0"/>
-            <a:ext cx="4804392" cy="369332"/>
-          </a:xfrm>
-          <a:prstGeom prst="rect">
-            <a:avLst/>
-          </a:prstGeom>
-          <a:noFill/>
-        </p:spPr>
-        <p:txBody>
-          <a:bodyPr wrap="none" rtlCol="0">
-            <a:spAutoFit/>
-          </a:bodyPr>
-          <a:lstStyle/>
-          <a:p>
-            <a:r>
-              <a:rPr lang="fr-FR" dirty="0" smtClean="0">
-                <a:solidFill>
-                  <a:schemeClr val="bg1"/>
-                </a:solidFill>
-              </a:rPr>
-              <a:t>Exposé du problème -&gt; Solution -&gt; </a:t>
-            </a:r>
-            <a:r>
-              <a:rPr lang="fr-FR" b="1" dirty="0" smtClean="0">
-                <a:solidFill>
-                  <a:schemeClr val="bg1"/>
-                </a:solidFill>
-              </a:rPr>
-              <a:t>Une approche</a:t>
-            </a:r>
-            <a:endParaRPr lang="fr-FR" b="1" dirty="0">
-              <a:solidFill>
-                <a:schemeClr val="bg1"/>
-              </a:solidFill>
-            </a:endParaRPr>
-          </a:p>
-        </p:txBody>
-      </p:sp>
     </p:spTree>
     <p:extLst>
       <p:ext uri="{BB962C8B-B14F-4D97-AF65-F5344CB8AC3E}">
-        <p14:creationId xmlns:p14="http://schemas.microsoft.com/office/powerpoint/2010/main" val="2324293040"/>
+        <p14:creationId xmlns:p14="http://schemas.microsoft.com/office/powerpoint/2010/main" val="71939733"/>
       </p:ext>
     </p:extLst>
   </p:cSld>
@@ -23235,6 +23621,243 @@
           <a:p>
             <a:r>
               <a:rPr lang="fr-FR" dirty="0" smtClean="0"/>
+              <a:t>Futur</a:t>
+            </a:r>
+            <a:endParaRPr lang="fr-FR" dirty="0"/>
+          </a:p>
+        </p:txBody>
+      </p:sp>
+      <p:sp>
+        <p:nvSpPr>
+          <p:cNvPr id="3" name="Espace réservé du contenu 2"/>
+          <p:cNvSpPr>
+            <a:spLocks noGrp="1"/>
+          </p:cNvSpPr>
+          <p:nvPr>
+            <p:ph idx="1"/>
+          </p:nvPr>
+        </p:nvSpPr>
+        <p:spPr/>
+        <p:txBody>
+          <a:bodyPr>
+            <a:normAutofit/>
+          </a:bodyPr>
+          <a:lstStyle/>
+          <a:p>
+            <a:endParaRPr lang="fr-FR" dirty="0" smtClean="0"/>
+          </a:p>
+          <a:p>
+            <a:r>
+              <a:rPr lang="fr-FR" dirty="0" smtClean="0"/>
+              <a:t>Obtention d’un prototype fonctionnel</a:t>
+            </a:r>
+          </a:p>
+          <a:p>
+            <a:endParaRPr lang="fr-FR" dirty="0"/>
+          </a:p>
+          <a:p>
+            <a:r>
+              <a:rPr lang="fr-FR" dirty="0" smtClean="0"/>
+              <a:t>Vers un </a:t>
+            </a:r>
+            <a:r>
+              <a:rPr lang="fr-FR" dirty="0" smtClean="0"/>
+              <a:t>modèle de dégradation </a:t>
+            </a:r>
+            <a:r>
+              <a:rPr lang="fr-FR" dirty="0" smtClean="0"/>
+              <a:t>général</a:t>
+            </a:r>
+          </a:p>
+          <a:p>
+            <a:pPr lvl="1"/>
+            <a:r>
+              <a:rPr lang="fr-FR" dirty="0" smtClean="0"/>
+              <a:t>Dégradation homogène selon la localisation</a:t>
+            </a:r>
+          </a:p>
+          <a:p>
+            <a:pPr lvl="1"/>
+            <a:r>
+              <a:rPr lang="fr-FR" dirty="0" smtClean="0"/>
+              <a:t>Dégradation de données de localisation seulement</a:t>
+            </a:r>
+            <a:endParaRPr lang="fr-FR" dirty="0" smtClean="0"/>
+          </a:p>
+          <a:p>
+            <a:endParaRPr lang="fr-FR" dirty="0"/>
+          </a:p>
+          <a:p>
+            <a:r>
+              <a:rPr lang="fr-FR" dirty="0" smtClean="0">
+                <a:solidFill>
+                  <a:srgbClr val="FF0000"/>
+                </a:solidFill>
+              </a:rPr>
+              <a:t>Comparer le comportement de la DHT sous différents algorithmes</a:t>
+            </a:r>
+            <a:endParaRPr lang="fr-FR" dirty="0" smtClean="0">
+              <a:solidFill>
+                <a:srgbClr val="FF0000"/>
+              </a:solidFill>
+            </a:endParaRPr>
+          </a:p>
+        </p:txBody>
+      </p:sp>
+      <p:sp>
+        <p:nvSpPr>
+          <p:cNvPr id="10" name="Espace réservé du numéro de diapositive 4"/>
+          <p:cNvSpPr>
+            <a:spLocks noGrp="1"/>
+          </p:cNvSpPr>
+          <p:nvPr>
+            <p:ph type="sldNum" sz="quarter" idx="12"/>
+          </p:nvPr>
+        </p:nvSpPr>
+        <p:spPr>
+          <a:xfrm>
+            <a:off x="0" y="6492875"/>
+            <a:ext cx="12192000" cy="365125"/>
+          </a:xfrm>
+        </p:spPr>
+        <p:txBody>
+          <a:bodyPr/>
+          <a:lstStyle/>
+          <a:p>
+            <a:pPr algn="l"/>
+            <a:r>
+              <a:rPr lang="fr-FR" sz="1400" b="1" dirty="0" smtClean="0">
+                <a:solidFill>
+                  <a:schemeClr val="bg1"/>
+                </a:solidFill>
+              </a:rPr>
+              <a:t>         												</a:t>
+            </a:r>
+            <a:fld id="{36A212DA-347D-4853-A3E5-DB8AA592974E}" type="slidenum">
+              <a:rPr lang="fr-FR" sz="1400" b="1" smtClean="0">
+                <a:solidFill>
+                  <a:schemeClr val="bg1"/>
+                </a:solidFill>
+              </a:rPr>
+              <a:pPr algn="l"/>
+              <a:t>16</a:t>
+            </a:fld>
+            <a:r>
+              <a:rPr lang="fr-FR" sz="1400" b="1" dirty="0" smtClean="0">
+                <a:solidFill>
+                  <a:schemeClr val="bg1"/>
+                </a:solidFill>
+              </a:rPr>
+              <a:t> </a:t>
+            </a:r>
+            <a:endParaRPr lang="fr-FR" sz="1400" b="1" dirty="0">
+              <a:solidFill>
+                <a:schemeClr val="bg1"/>
+              </a:solidFill>
+            </a:endParaRPr>
+          </a:p>
+        </p:txBody>
+      </p:sp>
+      <p:sp>
+        <p:nvSpPr>
+          <p:cNvPr id="4" name="ZoneTexte 3"/>
+          <p:cNvSpPr txBox="1"/>
+          <p:nvPr/>
+        </p:nvSpPr>
+        <p:spPr>
+          <a:xfrm>
+            <a:off x="0" y="0"/>
+            <a:ext cx="4804392" cy="369332"/>
+          </a:xfrm>
+          <a:prstGeom prst="rect">
+            <a:avLst/>
+          </a:prstGeom>
+          <a:noFill/>
+        </p:spPr>
+        <p:txBody>
+          <a:bodyPr wrap="none" rtlCol="0">
+            <a:spAutoFit/>
+          </a:bodyPr>
+          <a:lstStyle/>
+          <a:p>
+            <a:r>
+              <a:rPr lang="fr-FR" dirty="0" smtClean="0">
+                <a:solidFill>
+                  <a:schemeClr val="bg1"/>
+                </a:solidFill>
+              </a:rPr>
+              <a:t>Exposé du problème -&gt; Solution -&gt; </a:t>
+            </a:r>
+            <a:r>
+              <a:rPr lang="fr-FR" b="1" dirty="0" smtClean="0">
+                <a:solidFill>
+                  <a:schemeClr val="bg1"/>
+                </a:solidFill>
+              </a:rPr>
+              <a:t>Une approche</a:t>
+            </a:r>
+            <a:endParaRPr lang="fr-FR" b="1" dirty="0">
+              <a:solidFill>
+                <a:schemeClr val="bg1"/>
+              </a:solidFill>
+            </a:endParaRPr>
+          </a:p>
+        </p:txBody>
+      </p:sp>
+    </p:spTree>
+    <p:extLst>
+      <p:ext uri="{BB962C8B-B14F-4D97-AF65-F5344CB8AC3E}">
+        <p14:creationId xmlns:p14="http://schemas.microsoft.com/office/powerpoint/2010/main" val="2324293040"/>
+      </p:ext>
+    </p:extLst>
+  </p:cSld>
+  <p:clrMapOvr>
+    <a:masterClrMapping/>
+  </p:clrMapOvr>
+  <p:timing>
+    <p:tnLst>
+      <p:par>
+        <p:cTn id="1" dur="indefinite" restart="never" nodeType="tmRoot"/>
+      </p:par>
+    </p:tnLst>
+  </p:timing>
+</p:sld>
+</file>
+
+<file path=ppt/slides/slide17.xml><?xml version="1.0" encoding="utf-8"?>
+<p:sld xmlns:a="http://schemas.openxmlformats.org/drawingml/2006/main" xmlns:r="http://schemas.openxmlformats.org/officeDocument/2006/relationships" xmlns:p="http://schemas.openxmlformats.org/presentationml/2006/main">
+  <p:cSld>
+    <p:spTree>
+      <p:nvGrpSpPr>
+        <p:cNvPr id="1" name=""/>
+        <p:cNvGrpSpPr/>
+        <p:nvPr/>
+      </p:nvGrpSpPr>
+      <p:grpSpPr>
+        <a:xfrm>
+          <a:off x="0" y="0"/>
+          <a:ext cx="0" cy="0"/>
+          <a:chOff x="0" y="0"/>
+          <a:chExt cx="0" cy="0"/>
+        </a:xfrm>
+      </p:grpSpPr>
+      <p:sp>
+        <p:nvSpPr>
+          <p:cNvPr id="2" name="Titre 1"/>
+          <p:cNvSpPr>
+            <a:spLocks noGrp="1"/>
+          </p:cNvSpPr>
+          <p:nvPr>
+            <p:ph type="title"/>
+          </p:nvPr>
+        </p:nvSpPr>
+        <p:spPr/>
+        <p:txBody>
+          <a:bodyPr/>
+          <a:lstStyle/>
+          <a:p>
+            <a:r>
+              <a:rPr lang="fr-FR" dirty="0" smtClean="0"/>
               <a:t>Des questions ?</a:t>
             </a:r>
             <a:endParaRPr lang="fr-FR" dirty="0"/>
@@ -23304,7 +23927,7 @@
                 </a:solidFill>
               </a:rPr>
               <a:pPr algn="l"/>
-              <a:t>16</a:t>
+              <a:t>17</a:t>
             </a:fld>
             <a:r>
               <a:rPr lang="fr-FR" sz="1400" b="1" dirty="0" smtClean="0">
@@ -24981,22 +25604,53 @@
           </a:bodyPr>
           <a:lstStyle/>
           <a:p>
+            <a:endParaRPr lang="fr-FR" dirty="0" smtClean="0"/>
+          </a:p>
+          <a:p>
+            <a:endParaRPr lang="fr-FR" dirty="0" smtClean="0"/>
+          </a:p>
+          <a:p>
             <a:r>
               <a:rPr lang="fr-FR" dirty="0" smtClean="0"/>
-              <a:t>Choix de la DHT</a:t>
-            </a:r>
-          </a:p>
-          <a:p>
+              <a:t>Choix </a:t>
+            </a:r>
             <a:r>
               <a:rPr lang="fr-FR" dirty="0" smtClean="0"/>
-              <a:t>Entrées et sorties des blocs</a:t>
-            </a:r>
+              <a:t>de la DHT</a:t>
+            </a:r>
+          </a:p>
+          <a:p>
+            <a:endParaRPr lang="fr-FR" dirty="0" smtClean="0"/>
+          </a:p>
+          <a:p>
+            <a:endParaRPr lang="fr-FR" dirty="0" smtClean="0"/>
           </a:p>
           <a:p>
             <a:r>
               <a:rPr lang="fr-FR" dirty="0" smtClean="0"/>
-              <a:t>Choix du chiffrement </a:t>
-            </a:r>
+              <a:t>Entrées / </a:t>
+            </a:r>
+            <a:r>
+              <a:rPr lang="fr-FR" dirty="0" smtClean="0"/>
+              <a:t>S</a:t>
+            </a:r>
+            <a:r>
+              <a:rPr lang="fr-FR" dirty="0" smtClean="0"/>
+              <a:t>orties </a:t>
+            </a:r>
+            <a:r>
+              <a:rPr lang="fr-FR" dirty="0" smtClean="0"/>
+              <a:t>des blocs</a:t>
+            </a:r>
+          </a:p>
+          <a:p>
+            <a:endParaRPr lang="fr-FR" dirty="0" smtClean="0"/>
+          </a:p>
+          <a:p>
+            <a:pPr marL="0" indent="0">
+              <a:buNone/>
+            </a:pPr>
+            <a:endParaRPr lang="fr-FR" dirty="0" smtClean="0"/>
           </a:p>
         </p:txBody>
       </p:sp>
